--- a/Group Lab 5/Group Lab 5 PPT.pptx
+++ b/Group Lab 5/Group Lab 5 PPT.pptx
@@ -110,6 +110,11 @@
       </a:defRPr>
     </a:lvl9pPr>
   </p:defaultTextStyle>
+  <p:extLst>
+    <p:ext uri="{EFAFB233-063F-42B5-8137-9DF3F51BA10A}">
+      <p15:sldGuideLst xmlns:p15="http://schemas.microsoft.com/office/powerpoint/2012/main"/>
+    </p:ext>
+  </p:extLst>
 </p:presentation>
 </file>
 
@@ -4337,6 +4342,36 @@
           </a:p>
         </p:txBody>
       </p:sp>
+      <p:pic>
+        <p:nvPicPr>
+          <p:cNvPr id="4" name="Picture 3">
+            <a:extLst>
+              <a:ext uri="{FF2B5EF4-FFF2-40B4-BE49-F238E27FC236}">
+                <a16:creationId xmlns:a16="http://schemas.microsoft.com/office/drawing/2014/main" id="{4D58713F-8820-F137-684C-1FDE1A9E6710}"/>
+              </a:ext>
+            </a:extLst>
+          </p:cNvPr>
+          <p:cNvPicPr>
+            <a:picLocks noChangeAspect="1"/>
+          </p:cNvPicPr>
+          <p:nvPr/>
+        </p:nvPicPr>
+        <p:blipFill>
+          <a:blip r:embed="rId2"/>
+          <a:stretch>
+            <a:fillRect/>
+          </a:stretch>
+        </p:blipFill>
+        <p:spPr>
+          <a:xfrm>
+            <a:off x="237994" y="1897693"/>
+            <a:ext cx="11730625" cy="3730797"/>
+          </a:xfrm>
+          <a:prstGeom prst="rect">
+            <a:avLst/>
+          </a:prstGeom>
+        </p:spPr>
+      </p:pic>
     </p:spTree>
     <p:extLst>
       <p:ext uri="{BB962C8B-B14F-4D97-AF65-F5344CB8AC3E}">

--- a/Group Lab 5/Group Lab 5 PPT.pptx
+++ b/Group Lab 5/Group Lab 5 PPT.pptx
@@ -4284,6 +4284,36 @@
           </a:p>
         </p:txBody>
       </p:sp>
+      <p:pic>
+        <p:nvPicPr>
+          <p:cNvPr id="3" name="Picture 2">
+            <a:extLst>
+              <a:ext uri="{FF2B5EF4-FFF2-40B4-BE49-F238E27FC236}">
+                <a16:creationId xmlns:a16="http://schemas.microsoft.com/office/drawing/2014/main" id="{6EA98902-A34E-C116-6E9F-08DD68D9AD7B}"/>
+              </a:ext>
+            </a:extLst>
+          </p:cNvPr>
+          <p:cNvPicPr>
+            <a:picLocks noChangeAspect="1"/>
+          </p:cNvPicPr>
+          <p:nvPr/>
+        </p:nvPicPr>
+        <p:blipFill>
+          <a:blip r:embed="rId2"/>
+          <a:stretch>
+            <a:fillRect/>
+          </a:stretch>
+        </p:blipFill>
+        <p:spPr>
+          <a:xfrm>
+            <a:off x="0" y="1675295"/>
+            <a:ext cx="12192000" cy="3507409"/>
+          </a:xfrm>
+          <a:prstGeom prst="rect">
+            <a:avLst/>
+          </a:prstGeom>
+        </p:spPr>
+      </p:pic>
     </p:spTree>
     <p:extLst>
       <p:ext uri="{BB962C8B-B14F-4D97-AF65-F5344CB8AC3E}">

--- a/Group Lab 5/Group Lab 5 PPT.pptx
+++ b/Group Lab 5/Group Lab 5 PPT.pptx
@@ -4430,6 +4430,36 @@
           </a:p>
         </p:txBody>
       </p:sp>
+      <p:pic>
+        <p:nvPicPr>
+          <p:cNvPr id="4" name="Picture 3">
+            <a:extLst>
+              <a:ext uri="{FF2B5EF4-FFF2-40B4-BE49-F238E27FC236}">
+                <a16:creationId xmlns:a16="http://schemas.microsoft.com/office/drawing/2014/main" id="{780121EE-B621-4182-8076-513827185996}"/>
+              </a:ext>
+            </a:extLst>
+          </p:cNvPr>
+          <p:cNvPicPr>
+            <a:picLocks noChangeAspect="1"/>
+          </p:cNvPicPr>
+          <p:nvPr/>
+        </p:nvPicPr>
+        <p:blipFill>
+          <a:blip r:embed="rId2"/>
+          <a:stretch>
+            <a:fillRect/>
+          </a:stretch>
+        </p:blipFill>
+        <p:spPr>
+          <a:xfrm>
+            <a:off x="389472" y="2037541"/>
+            <a:ext cx="11802528" cy="3498737"/>
+          </a:xfrm>
+          <a:prstGeom prst="rect">
+            <a:avLst/>
+          </a:prstGeom>
+        </p:spPr>
+      </p:pic>
     </p:spTree>
     <p:extLst>
       <p:ext uri="{BB962C8B-B14F-4D97-AF65-F5344CB8AC3E}">

--- a/Group Lab 5/Group Lab 5 PPT.pptx
+++ b/Group Lab 5/Group Lab 5 PPT.pptx
@@ -4201,6 +4201,36 @@
           </a:p>
         </p:txBody>
       </p:sp>
+      <p:pic>
+        <p:nvPicPr>
+          <p:cNvPr id="4" name="Picture 3">
+            <a:extLst>
+              <a:ext uri="{FF2B5EF4-FFF2-40B4-BE49-F238E27FC236}">
+                <a16:creationId xmlns:a16="http://schemas.microsoft.com/office/drawing/2014/main" id="{FBD74CCA-D07C-7419-459B-2F589C6E5343}"/>
+              </a:ext>
+            </a:extLst>
+          </p:cNvPr>
+          <p:cNvPicPr>
+            <a:picLocks noChangeAspect="1"/>
+          </p:cNvPicPr>
+          <p:nvPr/>
+        </p:nvPicPr>
+        <p:blipFill>
+          <a:blip r:embed="rId2"/>
+          <a:stretch>
+            <a:fillRect/>
+          </a:stretch>
+        </p:blipFill>
+        <p:spPr>
+          <a:xfrm>
+            <a:off x="0" y="1732690"/>
+            <a:ext cx="12192000" cy="3392619"/>
+          </a:xfrm>
+          <a:prstGeom prst="rect">
+            <a:avLst/>
+          </a:prstGeom>
+        </p:spPr>
+      </p:pic>
     </p:spTree>
     <p:extLst>
       <p:ext uri="{BB962C8B-B14F-4D97-AF65-F5344CB8AC3E}">
@@ -4284,6 +4314,36 @@
           </a:p>
         </p:txBody>
       </p:sp>
+      <p:pic>
+        <p:nvPicPr>
+          <p:cNvPr id="3" name="Picture 2">
+            <a:extLst>
+              <a:ext uri="{FF2B5EF4-FFF2-40B4-BE49-F238E27FC236}">
+                <a16:creationId xmlns:a16="http://schemas.microsoft.com/office/drawing/2014/main" id="{852C29EF-F977-2874-2E88-208C07D001A7}"/>
+              </a:ext>
+            </a:extLst>
+          </p:cNvPr>
+          <p:cNvPicPr>
+            <a:picLocks noChangeAspect="1"/>
+          </p:cNvPicPr>
+          <p:nvPr/>
+        </p:nvPicPr>
+        <p:blipFill>
+          <a:blip r:embed="rId2"/>
+          <a:stretch>
+            <a:fillRect/>
+          </a:stretch>
+        </p:blipFill>
+        <p:spPr>
+          <a:xfrm>
+            <a:off x="0" y="1990060"/>
+            <a:ext cx="12192000" cy="2877879"/>
+          </a:xfrm>
+          <a:prstGeom prst="rect">
+            <a:avLst/>
+          </a:prstGeom>
+        </p:spPr>
+      </p:pic>
     </p:spTree>
     <p:extLst>
       <p:ext uri="{BB962C8B-B14F-4D97-AF65-F5344CB8AC3E}">
@@ -4606,6 +4666,36 @@
           </a:p>
         </p:txBody>
       </p:sp>
+      <p:pic>
+        <p:nvPicPr>
+          <p:cNvPr id="4" name="Picture 3">
+            <a:extLst>
+              <a:ext uri="{FF2B5EF4-FFF2-40B4-BE49-F238E27FC236}">
+                <a16:creationId xmlns:a16="http://schemas.microsoft.com/office/drawing/2014/main" id="{4D6C1FB9-CCB7-5DB6-B9A7-470C457729F9}"/>
+              </a:ext>
+            </a:extLst>
+          </p:cNvPr>
+          <p:cNvPicPr>
+            <a:picLocks noChangeAspect="1"/>
+          </p:cNvPicPr>
+          <p:nvPr/>
+        </p:nvPicPr>
+        <p:blipFill>
+          <a:blip r:embed="rId2"/>
+          <a:stretch>
+            <a:fillRect/>
+          </a:stretch>
+        </p:blipFill>
+        <p:spPr>
+          <a:xfrm>
+            <a:off x="1097280" y="2419262"/>
+            <a:ext cx="10396381" cy="2870368"/>
+          </a:xfrm>
+          <a:prstGeom prst="rect">
+            <a:avLst/>
+          </a:prstGeom>
+        </p:spPr>
+      </p:pic>
     </p:spTree>
     <p:extLst>
       <p:ext uri="{BB962C8B-B14F-4D97-AF65-F5344CB8AC3E}">

--- a/Group Lab 5/Group Lab 5 PPT.pptx
+++ b/Group Lab 5/Group Lab 5 PPT.pptx
@@ -4336,8 +4336,8 @@
         </p:blipFill>
         <p:spPr>
           <a:xfrm>
-            <a:off x="0" y="1990060"/>
-            <a:ext cx="12192000" cy="2877879"/>
+            <a:off x="30480" y="1990060"/>
+            <a:ext cx="12192000" cy="3542993"/>
           </a:xfrm>
           <a:prstGeom prst="rect">
             <a:avLst/>
